--- a/RECURRENT NEURAL NETWORK_TamHO.pptx
+++ b/RECURRENT NEURAL NETWORK_TamHO.pptx
@@ -7330,7 +7330,7 @@
           </a:effectLst>
           <a:extLst>
             <a:ext uri="{91240B29-F687-4f45-9708-019B960494DF}">
-              <a14:hiddenLine xmlns:a16="http://schemas.microsoft.com/office/drawing/2014/main" xmlns:p14="http://schemas.microsoft.com/office/powerpoint/2010/main" xmlns:a14="http://schemas.microsoft.com/office/drawing/2010/main" xmlns="" w="9525">
+              <a14:hiddenLine xmlns="" xmlns:a14="http://schemas.microsoft.com/office/drawing/2010/main" xmlns:p14="http://schemas.microsoft.com/office/powerpoint/2010/main" xmlns:a16="http://schemas.microsoft.com/office/drawing/2014/main" w="9525">
                 <a:solidFill>
                   <a:srgbClr val="000000"/>
                 </a:solidFill>
@@ -9833,7 +9833,7 @@
                 <a:latin typeface="Arial" panose="020B0604020202020204" pitchFamily="34" charset="0"/>
                 <a:cs typeface="Arial" panose="020B0604020202020204" pitchFamily="34" charset="0"/>
               </a:rPr>
-              <a:t>THANKS FOR LISTENING</a:t>
+              <a:t>THANKS FOR YOUR ATTENTION</a:t>
             </a:r>
           </a:p>
         </p:txBody>
@@ -10415,12 +10415,12 @@
 </file>
 
 <file path=customXml/item1.xml><?xml version="1.0" encoding="utf-8"?>
-<p:properties xmlns:p="http://schemas.microsoft.com/office/2006/metadata/properties" xmlns:xsi="http://www.w3.org/2001/XMLSchema-instance" xmlns:pc="http://schemas.microsoft.com/office/infopath/2007/PartnerControls">
-  <documentManagement>
-    <Status xmlns="71af3243-3dd4-4a8d-8c0d-dd76da1f02a5">Not started</Status>
-    <MediaServiceKeyPoints xmlns="71af3243-3dd4-4a8d-8c0d-dd76da1f02a5" xsi:nil="true"/>
-  </documentManagement>
-</p:properties>
+<?mso-contentType ?>
+<FormTemplates xmlns="http://schemas.microsoft.com/sharepoint/v3/contenttype/forms">
+  <Display>DocumentLibraryForm</Display>
+  <Edit>DocumentLibraryForm</Edit>
+  <New>DocumentLibraryForm</New>
+</FormTemplates>
 </file>
 
 <file path=customXml/item2.xml><?xml version="1.0" encoding="utf-8"?>
@@ -10645,20 +10645,18 @@
 </file>
 
 <file path=customXml/item3.xml><?xml version="1.0" encoding="utf-8"?>
-<?mso-contentType ?>
-<FormTemplates xmlns="http://schemas.microsoft.com/sharepoint/v3/contenttype/forms">
-  <Display>DocumentLibraryForm</Display>
-  <Edit>DocumentLibraryForm</Edit>
-  <New>DocumentLibraryForm</New>
-</FormTemplates>
+<p:properties xmlns:p="http://schemas.microsoft.com/office/2006/metadata/properties" xmlns:xsi="http://www.w3.org/2001/XMLSchema-instance" xmlns:pc="http://schemas.microsoft.com/office/infopath/2007/PartnerControls">
+  <documentManagement>
+    <Status xmlns="71af3243-3dd4-4a8d-8c0d-dd76da1f02a5">Not started</Status>
+    <MediaServiceKeyPoints xmlns="71af3243-3dd4-4a8d-8c0d-dd76da1f02a5" xsi:nil="true"/>
+  </documentManagement>
+</p:properties>
 </file>
 
 <file path=customXml/itemProps1.xml><?xml version="1.0" encoding="utf-8"?>
-<ds:datastoreItem xmlns:ds="http://schemas.openxmlformats.org/officeDocument/2006/customXml" ds:itemID="{2C4C00F4-06E9-43E3-AD97-88A857CEFA82}">
+<ds:datastoreItem xmlns:ds="http://schemas.openxmlformats.org/officeDocument/2006/customXml" ds:itemID="{64B270AB-C138-415C-897E-3C24487DECF1}">
   <ds:schemaRefs>
-    <ds:schemaRef ds:uri="http://schemas.microsoft.com/office/2006/metadata/properties"/>
-    <ds:schemaRef ds:uri="http://schemas.microsoft.com/office/infopath/2007/PartnerControls"/>
-    <ds:schemaRef ds:uri="71af3243-3dd4-4a8d-8c0d-dd76da1f02a5"/>
+    <ds:schemaRef ds:uri="http://schemas.microsoft.com/sharepoint/v3/contenttype/forms"/>
   </ds:schemaRefs>
 </ds:datastoreItem>
 </file>
@@ -10683,9 +10681,11 @@
 </file>
 
 <file path=customXml/itemProps3.xml><?xml version="1.0" encoding="utf-8"?>
-<ds:datastoreItem xmlns:ds="http://schemas.openxmlformats.org/officeDocument/2006/customXml" ds:itemID="{64B270AB-C138-415C-897E-3C24487DECF1}">
+<ds:datastoreItem xmlns:ds="http://schemas.openxmlformats.org/officeDocument/2006/customXml" ds:itemID="{2C4C00F4-06E9-43E3-AD97-88A857CEFA82}">
   <ds:schemaRefs>
-    <ds:schemaRef ds:uri="http://schemas.microsoft.com/sharepoint/v3/contenttype/forms"/>
+    <ds:schemaRef ds:uri="http://schemas.microsoft.com/office/2006/metadata/properties"/>
+    <ds:schemaRef ds:uri="http://schemas.microsoft.com/office/infopath/2007/PartnerControls"/>
+    <ds:schemaRef ds:uri="71af3243-3dd4-4a8d-8c0d-dd76da1f02a5"/>
   </ds:schemaRefs>
 </ds:datastoreItem>
 </file>